--- a/NBA Team Success Analysis Project.pptx
+++ b/NBA Team Success Analysis Project.pptx
@@ -241,7 +241,7 @@
           <a:p>
             <a:fld id="{D84F784F-DB2A-4D0C-AFFF-2F05CCE5B8D9}" type="datetimeFigureOut">
               <a:rPr lang="en-US" smtClean="0"/>
-              <a:t>12/10/2016</a:t>
+              <a:t>12/11/2016</a:t>
             </a:fld>
             <a:endParaRPr lang="en-US"/>
           </a:p>
@@ -553,14 +553,6 @@
           <a:bodyPr/>
           <a:lstStyle/>
           <a:p>
-            <a:r>
-              <a:rPr lang="en-US" dirty="0" smtClean="0"/>
-              <a:t>1.</a:t>
-            </a:r>
-            <a:r>
-              <a:rPr lang="en-US" baseline="0" dirty="0" smtClean="0"/>
-              <a:t> This talks about the overall approach and also the resources which used to create this report</a:t>
-            </a:r>
             <a:endParaRPr lang="en-US" dirty="0"/>
           </a:p>
         </p:txBody>
@@ -1496,22 +1488,6 @@
           <a:bodyPr/>
           <a:lstStyle/>
           <a:p>
-            <a:r>
-              <a:rPr lang="en-US" dirty="0" smtClean="0"/>
-              <a:t>This</a:t>
-            </a:r>
-            <a:r>
-              <a:rPr lang="en-US" baseline="0" dirty="0" smtClean="0"/>
-              <a:t> is the assimilated feature list after mapping all the use cases captured to a specific search feature requirement. Some are required, </a:t>
-            </a:r>
-            <a:r>
-              <a:rPr lang="en-US" baseline="0" dirty="0" err="1" smtClean="0"/>
-              <a:t>i.e</a:t>
-            </a:r>
-            <a:r>
-              <a:rPr lang="en-US" baseline="0" dirty="0" smtClean="0"/>
-              <a:t>, key to GASCO employee success, and some are desirable based on the North Star view provided to the user representative during the “Art of Possible” discussion.</a:t>
-            </a:r>
             <a:endParaRPr lang="en-US" dirty="0"/>
           </a:p>
         </p:txBody>
@@ -2568,7 +2544,6 @@
               <a:rPr lang="en-US" dirty="0" smtClean="0"/>
               <a:t>Predicting NBA Team Success and Player Performance Through Data Analytics</a:t>
             </a:r>
-            <a:endParaRPr lang="en-US" dirty="0" smtClean="0"/>
           </a:p>
         </p:txBody>
       </p:sp>
@@ -5421,7 +5396,6 @@
               <a:rPr lang="en-US" dirty="0" smtClean="0"/>
               <a:t>Predicting NBA Team Success and Player Performance Through Data Analytics</a:t>
             </a:r>
-            <a:endParaRPr lang="en-US" dirty="0" smtClean="0"/>
           </a:p>
         </p:txBody>
       </p:sp>
@@ -6554,7 +6528,6 @@
               <a:rPr lang="en-US" sz="1600" dirty="0"/>
               <a:t>Data Science Essentials CSC570 | Mike Bernico</a:t>
             </a:r>
-            <a:endParaRPr lang="en-US" sz="1600" dirty="0"/>
           </a:p>
         </p:txBody>
       </p:sp>
@@ -6780,13 +6753,6 @@
               </a:rPr>
               <a:t>Team Per Game Statistics</a:t>
             </a:r>
-            <a:endParaRPr lang="en-US" b="1" dirty="0" smtClean="0">
-              <a:solidFill>
-                <a:schemeClr val="accent1">
-                  <a:lumMod val="75000"/>
-                </a:schemeClr>
-              </a:solidFill>
-            </a:endParaRPr>
           </a:p>
           <a:p>
             <a:pPr lvl="0"/>
@@ -6796,15 +6762,7 @@
                   <a:schemeClr val="tx1"/>
                 </a:solidFill>
               </a:rPr>
-              <a:t>The following screenshot was taken for example</a:t>
-            </a:r>
-            <a:r>
-              <a:rPr lang="en-US" sz="1600" dirty="0" smtClean="0">
-                <a:solidFill>
-                  <a:schemeClr val="tx1"/>
-                </a:solidFill>
-              </a:rPr>
-              <a:t>, </a:t>
+              <a:t>The following screenshot was taken for example, </a:t>
             </a:r>
             <a:r>
               <a:rPr lang="en-US" sz="1600" dirty="0">
@@ -6991,13 +6949,6 @@
               </a:rPr>
               <a:t>Player Per Game Statistics (2016-2017)</a:t>
             </a:r>
-            <a:endParaRPr lang="en-US" b="1" dirty="0" smtClean="0">
-              <a:solidFill>
-                <a:schemeClr val="accent1">
-                  <a:lumMod val="75000"/>
-                </a:schemeClr>
-              </a:solidFill>
-            </a:endParaRPr>
           </a:p>
           <a:p>
             <a:pPr lvl="0"/>
@@ -7109,25 +7060,8 @@
                     </a:schemeClr>
                   </a:solidFill>
                 </a:rPr>
-                <a:t>Key </a:t>
+                <a:t>Key Features (Per Game)</a:t>
               </a:r>
-              <a:r>
-                <a:rPr lang="en-US" b="1" dirty="0" smtClean="0">
-                  <a:solidFill>
-                    <a:schemeClr val="accent1">
-                      <a:lumMod val="75000"/>
-                    </a:schemeClr>
-                  </a:solidFill>
-                </a:rPr>
-                <a:t>Features (Per Game)</a:t>
-              </a:r>
-              <a:endParaRPr lang="en-US" b="1" dirty="0" smtClean="0">
-                <a:solidFill>
-                  <a:schemeClr val="accent1">
-                    <a:lumMod val="75000"/>
-                  </a:schemeClr>
-                </a:solidFill>
-              </a:endParaRPr>
             </a:p>
             <a:p>
               <a:pPr lvl="0"/>
@@ -7911,13 +7845,6 @@
               </a:rPr>
               <a:t>Player Per Game Statistics</a:t>
             </a:r>
-            <a:endParaRPr lang="en-US" b="1" dirty="0" smtClean="0">
-              <a:solidFill>
-                <a:schemeClr val="accent1">
-                  <a:lumMod val="75000"/>
-                </a:schemeClr>
-              </a:solidFill>
-            </a:endParaRPr>
           </a:p>
           <a:p>
             <a:pPr lvl="0"/>
@@ -7927,15 +7854,7 @@
                   <a:schemeClr val="tx1"/>
                 </a:solidFill>
               </a:rPr>
-              <a:t>The following screenshot was taken for example</a:t>
-            </a:r>
-            <a:r>
-              <a:rPr lang="en-US" sz="1600" dirty="0" smtClean="0">
-                <a:solidFill>
-                  <a:schemeClr val="tx1"/>
-                </a:solidFill>
-              </a:rPr>
-              <a:t>, </a:t>
+              <a:t>The following screenshot was taken for example, </a:t>
             </a:r>
             <a:r>
               <a:rPr lang="en-US" sz="1600" dirty="0">
@@ -8626,16 +8545,7 @@
                 </a:solidFill>
                 <a:cs typeface="Arial" charset="0"/>
               </a:rPr>
-              <a:t>. </a:t>
-            </a:r>
-            <a:r>
-              <a:rPr lang="en-US" sz="1600" dirty="0" smtClean="0">
-                <a:solidFill>
-                  <a:srgbClr val="000000"/>
-                </a:solidFill>
-                <a:cs typeface="Arial" charset="0"/>
-              </a:rPr>
-              <a:t>Player Comparison Tool (Recommender System Model)</a:t>
+              <a:t>. Player Comparison Tool (Recommender System Model)</a:t>
             </a:r>
             <a:endParaRPr lang="en-US" sz="1600" dirty="0">
               <a:solidFill>
@@ -8701,16 +8611,7 @@
                 </a:solidFill>
                 <a:cs typeface="Arial" charset="0"/>
               </a:rPr>
-              <a:t>. </a:t>
-            </a:r>
-            <a:r>
-              <a:rPr lang="en-US" sz="1600" dirty="0" smtClean="0">
-                <a:solidFill>
-                  <a:srgbClr val="000000"/>
-                </a:solidFill>
-                <a:cs typeface="Arial" charset="0"/>
-              </a:rPr>
-              <a:t>Overall Analysis</a:t>
+              <a:t>. Overall Analysis</a:t>
             </a:r>
             <a:endParaRPr lang="en-US" sz="1600" dirty="0">
               <a:solidFill>
@@ -9253,11 +9154,6 @@
               </a:rPr>
               <a:t>Due to many external factors such as injuries and scheduling, accuracy of model can be compromised</a:t>
             </a:r>
-            <a:endParaRPr lang="en-US" sz="1200" dirty="0" smtClean="0">
-              <a:solidFill>
-                <a:schemeClr val="tx1"/>
-              </a:solidFill>
-            </a:endParaRPr>
           </a:p>
           <a:p>
             <a:pPr marL="285750" indent="-285750">
@@ -9318,7 +9214,6 @@
               <a:rPr lang="en-US" sz="1400" dirty="0" smtClean="0"/>
               <a:t>Model allows teams to go head to head based on provided statistics</a:t>
             </a:r>
-            <a:endParaRPr lang="en-US" sz="1400" dirty="0" smtClean="0"/>
           </a:p>
           <a:p>
             <a:pPr marL="285750" indent="-285750">
@@ -9549,13 +9444,6 @@
               </a:rPr>
               <a:t>Exploratory Data Analysis and Visualization of Data</a:t>
             </a:r>
-            <a:endParaRPr lang="en-US" b="1" dirty="0" smtClean="0">
-              <a:solidFill>
-                <a:schemeClr val="accent1">
-                  <a:lumMod val="75000"/>
-                </a:schemeClr>
-              </a:solidFill>
-            </a:endParaRPr>
           </a:p>
           <a:p>
             <a:pPr lvl="0"/>
@@ -9853,13 +9741,6 @@
               </a:rPr>
               <a:t>Model Structure (Code Snippet)</a:t>
             </a:r>
-            <a:endParaRPr lang="en-US" b="1" dirty="0" smtClean="0">
-              <a:solidFill>
-                <a:schemeClr val="accent1">
-                  <a:lumMod val="75000"/>
-                </a:schemeClr>
-              </a:solidFill>
-            </a:endParaRPr>
           </a:p>
         </p:txBody>
       </p:sp>
@@ -10034,13 +9915,6 @@
               </a:rPr>
               <a:t>Visual Representation of Model and Model Outcome</a:t>
             </a:r>
-            <a:endParaRPr lang="en-US" b="1" dirty="0" smtClean="0">
-              <a:solidFill>
-                <a:schemeClr val="accent1">
-                  <a:lumMod val="75000"/>
-                </a:schemeClr>
-              </a:solidFill>
-            </a:endParaRPr>
           </a:p>
           <a:p>
             <a:pPr lvl="0"/>
@@ -10266,13 +10140,6 @@
               </a:rPr>
               <a:t>Visual Representation of Model and Model Outcome</a:t>
             </a:r>
-            <a:endParaRPr lang="en-US" b="1" dirty="0" smtClean="0">
-              <a:solidFill>
-                <a:schemeClr val="accent1">
-                  <a:lumMod val="75000"/>
-                </a:schemeClr>
-              </a:solidFill>
-            </a:endParaRPr>
           </a:p>
           <a:p>
             <a:pPr lvl="0"/>
@@ -10498,13 +10365,6 @@
               </a:rPr>
               <a:t>Model Outcome</a:t>
             </a:r>
-            <a:endParaRPr lang="en-US" b="1" dirty="0" smtClean="0">
-              <a:solidFill>
-                <a:schemeClr val="accent1">
-                  <a:lumMod val="75000"/>
-                </a:schemeClr>
-              </a:solidFill>
-            </a:endParaRPr>
           </a:p>
           <a:p>
             <a:pPr lvl="0"/>
@@ -10812,32 +10672,15 @@
                 </a:solidFill>
                 <a:cs typeface="Arial" charset="0"/>
               </a:rPr>
-              <a:t>. </a:t>
+              <a:t>. Key </a:t>
             </a:r>
             <a:r>
               <a:rPr lang="en-US" sz="1600" dirty="0" smtClean="0">
                 <a:solidFill>
                   <a:srgbClr val="000000"/>
                 </a:solidFill>
-                <a:cs typeface="Arial" charset="0"/>
-              </a:rPr>
-              <a:t>Key </a:t>
-            </a:r>
-            <a:r>
-              <a:rPr lang="en-US" sz="1600" dirty="0" smtClean="0">
-                <a:solidFill>
-                  <a:srgbClr val="000000"/>
-                </a:solidFill>
-              </a:rPr>
-              <a:t>Feature </a:t>
-            </a:r>
-            <a:r>
-              <a:rPr lang="en-US" sz="1600" dirty="0" smtClean="0">
-                <a:solidFill>
-                  <a:srgbClr val="000000"/>
-                </a:solidFill>
-              </a:rPr>
-              <a:t>Information</a:t>
+              </a:rPr>
+              <a:t>Feature Information</a:t>
             </a:r>
             <a:endParaRPr lang="en-US" sz="1600" dirty="0">
               <a:solidFill>
@@ -11053,16 +10896,7 @@
                 </a:solidFill>
                 <a:cs typeface="Arial" charset="0"/>
               </a:rPr>
-              <a:t>. </a:t>
-            </a:r>
-            <a:r>
-              <a:rPr lang="en-US" sz="1600" dirty="0" smtClean="0">
-                <a:solidFill>
-                  <a:srgbClr val="000000"/>
-                </a:solidFill>
-                <a:cs typeface="Arial" charset="0"/>
-              </a:rPr>
-              <a:t>Player Comparison Tool (Recommender System Model)</a:t>
+              <a:t>. Player Comparison Tool (Recommender System Model)</a:t>
             </a:r>
             <a:endParaRPr lang="en-US" sz="1600" dirty="0">
               <a:solidFill>
@@ -11128,16 +10962,7 @@
                 </a:solidFill>
                 <a:cs typeface="Arial" charset="0"/>
               </a:rPr>
-              <a:t>. </a:t>
-            </a:r>
-            <a:r>
-              <a:rPr lang="en-US" sz="1600" dirty="0" smtClean="0">
-                <a:solidFill>
-                  <a:srgbClr val="000000"/>
-                </a:solidFill>
-                <a:cs typeface="Arial" charset="0"/>
-              </a:rPr>
-              <a:t>Overall Analysis</a:t>
+              <a:t>. Overall Analysis</a:t>
             </a:r>
             <a:endParaRPr lang="en-US" sz="1600" dirty="0">
               <a:solidFill>
@@ -11352,13 +11177,6 @@
               </a:rPr>
               <a:t>Model Outcome</a:t>
             </a:r>
-            <a:endParaRPr lang="en-US" b="1" dirty="0" smtClean="0">
-              <a:solidFill>
-                <a:schemeClr val="accent1">
-                  <a:lumMod val="75000"/>
-                </a:schemeClr>
-              </a:solidFill>
-            </a:endParaRPr>
           </a:p>
           <a:p>
             <a:pPr lvl="0"/>
@@ -11368,15 +11186,7 @@
                   <a:schemeClr val="tx1"/>
                 </a:solidFill>
               </a:rPr>
-              <a:t>Here is a view based on the eastern conference. As we can see, the model </a:t>
-            </a:r>
-            <a:r>
-              <a:rPr lang="en-US" sz="1400" dirty="0" smtClean="0">
-                <a:solidFill>
-                  <a:schemeClr val="tx1"/>
-                </a:solidFill>
-              </a:rPr>
-              <a:t>does provide a decent prediction based on this season’s stats.  However, since the season just began in late October, this won’t provide enough information to those new to the sport. For example, the Brooklyn Nets have a 95% of making the playoffs when in reality, their performance has been subpar at best, whereas teams such as the Chicago Bulls would have a much higher chance of making the playoffs (11% probability).</a:t>
+              <a:t>Here is a view based on the eastern conference. As we can see, the model does provide a decent prediction based on this season’s stats.  However, since the season just began in late October, this won’t provide enough information to those new to the sport. For example, the Brooklyn Nets have a 95% of making the playoffs when in reality, their performance has been subpar at best, whereas teams such as the Chicago Bulls would have a much higher chance of making the playoffs (11% probability).</a:t>
             </a:r>
             <a:endParaRPr lang="en-US" sz="1400" dirty="0">
               <a:solidFill>
@@ -11598,13 +11408,6 @@
               </a:rPr>
               <a:t>Model Outcome</a:t>
             </a:r>
-            <a:endParaRPr lang="en-US" b="1" dirty="0" smtClean="0">
-              <a:solidFill>
-                <a:schemeClr val="accent1">
-                  <a:lumMod val="75000"/>
-                </a:schemeClr>
-              </a:solidFill>
-            </a:endParaRPr>
           </a:p>
           <a:p>
             <a:pPr lvl="0"/>
@@ -11614,15 +11417,7 @@
                   <a:schemeClr val="tx1"/>
                 </a:solidFill>
               </a:rPr>
-              <a:t>Here is a view based on the western conference. As we can see, the model </a:t>
-            </a:r>
-            <a:r>
-              <a:rPr lang="en-US" sz="1400" dirty="0" smtClean="0">
-                <a:solidFill>
-                  <a:schemeClr val="tx1"/>
-                </a:solidFill>
-              </a:rPr>
-              <a:t>does provide a decent prediction based on this season’s stats.  However, since the season just began in late October, this won’t provide enough information to those new to the sport. For example, the San Antonio Spurs do have a playoff berth in my model, but just miss the playoffs because the first eight teams have a higher chance. However, in reality, we know that the Spurs are one of the top contenders in league.</a:t>
+              <a:t>Here is a view based on the western conference. As we can see, the model does provide a decent prediction based on this season’s stats.  However, since the season just began in late October, this won’t provide enough information to those new to the sport. For example, the San Antonio Spurs do have a playoff berth in my model, but just miss the playoffs because the first eight teams have a higher chance. However, in reality, we know that the Spurs are one of the top contenders in league.</a:t>
             </a:r>
             <a:endParaRPr lang="en-US" sz="1400" dirty="0">
               <a:solidFill>
@@ -11959,12 +11754,6 @@
               </a:rPr>
               <a:t>5. Player Performance Identifier (K-Means Clustering Model)</a:t>
             </a:r>
-            <a:endParaRPr lang="en-US" sz="1600" dirty="0">
-              <a:solidFill>
-                <a:srgbClr val="000000"/>
-              </a:solidFill>
-              <a:cs typeface="Arial" charset="0"/>
-            </a:endParaRPr>
           </a:p>
         </p:txBody>
       </p:sp>
@@ -12332,16 +12121,7 @@
                 </a:solidFill>
                 <a:cs typeface="Arial" charset="0"/>
               </a:rPr>
-              <a:t>. </a:t>
-            </a:r>
-            <a:r>
-              <a:rPr lang="en-US" sz="1600" dirty="0" smtClean="0">
-                <a:solidFill>
-                  <a:srgbClr val="000000"/>
-                </a:solidFill>
-                <a:cs typeface="Arial" charset="0"/>
-              </a:rPr>
-              <a:t>Player Comparison Tool (Recommender System Model)</a:t>
+              <a:t>. Player Comparison Tool (Recommender System Model)</a:t>
             </a:r>
             <a:endParaRPr lang="en-US" sz="1600" dirty="0">
               <a:solidFill>
@@ -12407,16 +12187,7 @@
                 </a:solidFill>
                 <a:cs typeface="Arial" charset="0"/>
               </a:rPr>
-              <a:t>. </a:t>
-            </a:r>
-            <a:r>
-              <a:rPr lang="en-US" sz="1600" dirty="0" smtClean="0">
-                <a:solidFill>
-                  <a:srgbClr val="000000"/>
-                </a:solidFill>
-                <a:cs typeface="Arial" charset="0"/>
-              </a:rPr>
-              <a:t>Overall Analysis</a:t>
+              <a:t>. Overall Analysis</a:t>
             </a:r>
             <a:endParaRPr lang="en-US" sz="1600" dirty="0">
               <a:solidFill>
@@ -12960,11 +12731,6 @@
               </a:rPr>
               <a:t>Due to many external factors such as injuries and scheduling, accuracy of model can be compromised</a:t>
             </a:r>
-            <a:endParaRPr lang="en-US" sz="1200" dirty="0" smtClean="0">
-              <a:solidFill>
-                <a:schemeClr val="tx1"/>
-              </a:solidFill>
-            </a:endParaRPr>
           </a:p>
           <a:p>
             <a:pPr marL="285750" indent="-285750">
@@ -13025,7 +12791,6 @@
               <a:rPr lang="en-US" sz="1400" dirty="0" smtClean="0"/>
               <a:t>Model allows players to go head to head based on provided statistics</a:t>
             </a:r>
-            <a:endParaRPr lang="en-US" sz="1400" dirty="0" smtClean="0"/>
           </a:p>
           <a:p>
             <a:pPr marL="285750" indent="-285750">
@@ -13046,7 +12811,6 @@
               <a:rPr lang="en-US" sz="1400" dirty="0" smtClean="0"/>
               <a:t>Model trained on 2016-2017 NBA season to provide the most relevant stats due to trades, injuries, etc..</a:t>
             </a:r>
-            <a:endParaRPr lang="en-US" sz="1400" dirty="0" smtClean="0"/>
           </a:p>
           <a:p>
             <a:pPr marL="285750" indent="-285750">
@@ -13830,12 +13594,6 @@
               </a:rPr>
               <a:t>6. Player Comparison Tool (Recommender System Model)</a:t>
             </a:r>
-            <a:endParaRPr lang="en-US" sz="1600" dirty="0">
-              <a:solidFill>
-                <a:srgbClr val="000000"/>
-              </a:solidFill>
-              <a:cs typeface="Arial" charset="0"/>
-            </a:endParaRPr>
           </a:p>
         </p:txBody>
       </p:sp>
@@ -13894,16 +13652,7 @@
                 </a:solidFill>
                 <a:cs typeface="Arial" charset="0"/>
               </a:rPr>
-              <a:t>. </a:t>
-            </a:r>
-            <a:r>
-              <a:rPr lang="en-US" sz="1600" dirty="0" smtClean="0">
-                <a:solidFill>
-                  <a:srgbClr val="000000"/>
-                </a:solidFill>
-                <a:cs typeface="Arial" charset="0"/>
-              </a:rPr>
-              <a:t>Overall Analysis</a:t>
+              <a:t>. Overall Analysis</a:t>
             </a:r>
             <a:endParaRPr lang="en-US" sz="1600" dirty="0">
               <a:solidFill>
@@ -14702,11 +14451,6 @@
               </a:rPr>
               <a:t>Due to many external factors such as injuries and scheduling, accuracy of model can be compromised</a:t>
             </a:r>
-            <a:endParaRPr lang="en-US" sz="1200" dirty="0" smtClean="0">
-              <a:solidFill>
-                <a:schemeClr val="tx1"/>
-              </a:solidFill>
-            </a:endParaRPr>
           </a:p>
           <a:p>
             <a:pPr marL="285750" indent="-285750">
@@ -14767,7 +14511,6 @@
               <a:rPr lang="en-US" sz="1400" dirty="0" smtClean="0"/>
               <a:t>Model allows players to go head to head based on provided statistics</a:t>
             </a:r>
-            <a:endParaRPr lang="en-US" sz="1400" dirty="0" smtClean="0"/>
           </a:p>
           <a:p>
             <a:pPr marL="285750" indent="-285750">
@@ -14788,7 +14531,6 @@
               <a:rPr lang="en-US" sz="1400" dirty="0" smtClean="0"/>
               <a:t>Model trained on 2016-2017 NBA season to provide the most relevant stats due to trades, injuries, etc..</a:t>
             </a:r>
-            <a:endParaRPr lang="en-US" sz="1400" dirty="0" smtClean="0"/>
           </a:p>
           <a:p>
             <a:pPr marL="285750" indent="-285750">
@@ -15872,9 +15614,6 @@
               </a:rPr>
               <a:t>Understand role of stats, data, and analytics in professional men’s basketball</a:t>
             </a:r>
-            <a:endParaRPr lang="en-US" sz="1200" dirty="0" smtClean="0">
-              <a:latin typeface="Calibri" panose="020F0502020204030204" pitchFamily="34" charset="0"/>
-            </a:endParaRPr>
           </a:p>
           <a:p>
             <a:pPr fontAlgn="t">
@@ -15885,17 +15624,8 @@
             </a:pPr>
             <a:r>
               <a:rPr lang="en-US" sz="1200" b="1" dirty="0" smtClean="0"/>
-              <a:t>Identify </a:t>
-            </a:r>
-            <a:r>
-              <a:rPr lang="en-US" sz="1200" b="1" dirty="0" smtClean="0"/>
-              <a:t>key </a:t>
-            </a:r>
-            <a:r>
-              <a:rPr lang="en-US" sz="1200" b="1" dirty="0" smtClean="0"/>
-              <a:t>features</a:t>
-            </a:r>
-            <a:endParaRPr lang="en-US" sz="1200" b="1" dirty="0" smtClean="0"/>
+              <a:t>Identify key features</a:t>
+            </a:r>
           </a:p>
           <a:p>
             <a:pPr marL="171450" indent="-171450" fontAlgn="t">
@@ -15913,13 +15643,7 @@
               <a:rPr lang="en-US" sz="1200" dirty="0" smtClean="0">
                 <a:latin typeface="Calibri" panose="020F0502020204030204" pitchFamily="34" charset="0"/>
               </a:rPr>
-              <a:t>key criteria for </a:t>
-            </a:r>
-            <a:r>
-              <a:rPr lang="en-US" sz="1200" dirty="0" smtClean="0">
-                <a:latin typeface="Calibri" panose="020F0502020204030204" pitchFamily="34" charset="0"/>
-              </a:rPr>
-              <a:t>model creation</a:t>
+              <a:t>key criteria for model creation</a:t>
             </a:r>
             <a:endParaRPr lang="en-US" sz="1200" b="1" dirty="0" smtClean="0"/>
           </a:p>
@@ -15958,8 +15682,11 @@
               <a:rPr lang="en-US" sz="1200" dirty="0" smtClean="0">
                 <a:latin typeface="Calibri" panose="020F0502020204030204" pitchFamily="34" charset="0"/>
               </a:rPr>
-              <a:t>Identify leading enterprise search vendors  based on Accenture’s prior experience</a:t>
-            </a:r>
+              <a:t>Random Forest Model for NBA Team Prediction</a:t>
+            </a:r>
+            <a:endParaRPr lang="en-US" sz="1200" dirty="0" smtClean="0">
+              <a:latin typeface="Calibri" panose="020F0502020204030204" pitchFamily="34" charset="0"/>
+            </a:endParaRPr>
           </a:p>
           <a:p>
             <a:pPr marL="171450" indent="-171450">
@@ -15975,7 +15702,24 @@
               <a:rPr lang="en-US" sz="1200" dirty="0" smtClean="0">
                 <a:latin typeface="Calibri" panose="020F0502020204030204" pitchFamily="34" charset="0"/>
               </a:rPr>
-              <a:t>Identify vendors  based on GASCO IT’s preference /recommendation</a:t>
+              <a:t>K-Means Clustering for Player Performance</a:t>
+            </a:r>
+          </a:p>
+          <a:p>
+            <a:pPr marL="171450" indent="-171450">
+              <a:lnSpc>
+                <a:spcPct val="150000"/>
+              </a:lnSpc>
+              <a:spcBef>
+                <a:spcPct val="10000"/>
+              </a:spcBef>
+              <a:buClrTx/>
+            </a:pPr>
+            <a:r>
+              <a:rPr lang="en-US" sz="1200" dirty="0" smtClean="0">
+                <a:latin typeface="Calibri" panose="020F0502020204030204" pitchFamily="34" charset="0"/>
+              </a:rPr>
+              <a:t>Recommender System for Player Similarities</a:t>
             </a:r>
             <a:endParaRPr lang="en-US" sz="1200" dirty="0">
               <a:latin typeface="Calibri" panose="020F0502020204030204" pitchFamily="34" charset="0"/>
@@ -16288,17 +16032,8 @@
               <a:rPr lang="en-US" altLang="en-US" sz="1200" dirty="0" smtClean="0">
                 <a:latin typeface="Calibri" panose="020F0502020204030204" pitchFamily="34" charset="0"/>
               </a:rPr>
-              <a:t>Random Forest Model for Team Success Prediction</a:t>
-            </a:r>
-            <a:r>
-              <a:rPr lang="en-US" altLang="en-US" sz="1200" dirty="0" smtClean="0">
-                <a:latin typeface="Calibri" panose="020F0502020204030204" pitchFamily="34" charset="0"/>
-              </a:rPr>
-              <a:t>, K-Means Clustering for player performance, and Recommender System Model for Player Comparison</a:t>
-            </a:r>
-            <a:endParaRPr lang="en-US" altLang="en-US" sz="1200" dirty="0" smtClean="0">
-              <a:latin typeface="Calibri" panose="020F0502020204030204" pitchFamily="34" charset="0"/>
-            </a:endParaRPr>
+              <a:t>Random Forest Model for Team Success Prediction, K-Means Clustering for player performance, and Recommender System Model for Player Comparison</a:t>
+            </a:r>
           </a:p>
           <a:p>
             <a:pPr marL="171450" lvl="1" indent="-171450" eaLnBrk="1" hangingPunct="1">
@@ -16337,9 +16072,6 @@
               </a:rPr>
               <a:t>Python Code</a:t>
             </a:r>
-            <a:endParaRPr lang="en-US" altLang="en-US" sz="1200" dirty="0" smtClean="0">
-              <a:latin typeface="Calibri" panose="020F0502020204030204" pitchFamily="34" charset="0"/>
-            </a:endParaRPr>
           </a:p>
           <a:p>
             <a:pPr marL="171450" lvl="1" indent="-171450" eaLnBrk="1" hangingPunct="1">
@@ -16359,9 +16091,6 @@
               </a:rPr>
               <a:t>iPython Notebook, GitHub, OpenOffice</a:t>
             </a:r>
-            <a:endParaRPr lang="en-US" altLang="en-US" sz="1200" dirty="0" smtClean="0">
-              <a:latin typeface="Calibri" panose="020F0502020204030204" pitchFamily="34" charset="0"/>
-            </a:endParaRPr>
           </a:p>
           <a:p>
             <a:pPr marL="0" lvl="1" indent="0" eaLnBrk="1" hangingPunct="1">
@@ -16723,25 +16452,7 @@
                 </a:solidFill>
                 <a:latin typeface="Calibri" panose="020F0502020204030204" pitchFamily="34" charset="0"/>
               </a:rPr>
-              <a:t>The purpose of this project </a:t>
-            </a:r>
-            <a:r>
-              <a:rPr lang="en-US" altLang="en-US" sz="1200" dirty="0" smtClean="0">
-                <a:solidFill>
-                  <a:prstClr val="black"/>
-                </a:solidFill>
-                <a:latin typeface="Calibri" panose="020F0502020204030204" pitchFamily="34" charset="0"/>
-              </a:rPr>
-              <a:t>is to predict an NBA player’s performance and team’s success through the use of various data models, specifically predicting a team’s chances for making the playoffs for the 2016-2017 season. as a means to aid franchises, fans, and other third party users to enhance their understanding of the game of basketball</a:t>
-            </a:r>
-            <a:r>
-              <a:rPr lang="en-US" altLang="en-US" sz="1200" dirty="0" smtClean="0">
-                <a:solidFill>
-                  <a:prstClr val="black"/>
-                </a:solidFill>
-                <a:latin typeface="Calibri" panose="020F0502020204030204" pitchFamily="34" charset="0"/>
-              </a:rPr>
-              <a:t>.</a:t>
+              <a:t>The purpose of this project is to predict an NBA player’s performance and team’s success through the use of various data models, specifically predicting a team’s chances for making the playoffs for the 2016-2017 season. as a means to aid franchises, fans, and other third party users to enhance their understanding of the game of basketball.</a:t>
             </a:r>
             <a:endParaRPr lang="en-US" altLang="en-US" sz="1200" b="1" u="sng" dirty="0">
               <a:solidFill>
@@ -17082,12 +16793,6 @@
               </a:rPr>
               <a:t>6. Player Comparison Tool (Recommender System Model)</a:t>
             </a:r>
-            <a:endParaRPr lang="en-US" sz="1600" dirty="0">
-              <a:solidFill>
-                <a:srgbClr val="000000"/>
-              </a:solidFill>
-              <a:cs typeface="Arial" charset="0"/>
-            </a:endParaRPr>
           </a:p>
         </p:txBody>
       </p:sp>
@@ -17144,12 +16849,6 @@
               </a:rPr>
               <a:t>7. Overall Analysis</a:t>
             </a:r>
-            <a:endParaRPr lang="en-US" sz="1600" dirty="0">
-              <a:solidFill>
-                <a:srgbClr val="000000"/>
-              </a:solidFill>
-              <a:cs typeface="Arial" charset="0"/>
-            </a:endParaRPr>
           </a:p>
         </p:txBody>
       </p:sp>
@@ -17682,13 +17381,6 @@
               </a:rPr>
               <a:t>Conclusion</a:t>
             </a:r>
-            <a:endParaRPr lang="en-US" b="1" dirty="0" smtClean="0">
-              <a:solidFill>
-                <a:schemeClr val="accent1">
-                  <a:lumMod val="75000"/>
-                </a:schemeClr>
-              </a:solidFill>
-            </a:endParaRPr>
           </a:p>
           <a:p>
             <a:pPr lvl="0"/>
@@ -18003,12 +17695,6 @@
               </a:rPr>
               <a:t>6. Player Comparison Tool (Recommender System Model)</a:t>
             </a:r>
-            <a:endParaRPr lang="en-US" sz="1600" dirty="0">
-              <a:solidFill>
-                <a:srgbClr val="000000"/>
-              </a:solidFill>
-              <a:cs typeface="Arial" charset="0"/>
-            </a:endParaRPr>
           </a:p>
         </p:txBody>
       </p:sp>
@@ -19041,32 +18727,15 @@
                 </a:solidFill>
                 <a:cs typeface="Arial" charset="0"/>
               </a:rPr>
-              <a:t>. </a:t>
+              <a:t>. Key </a:t>
             </a:r>
             <a:r>
               <a:rPr lang="en-US" sz="1600" dirty="0" smtClean="0">
                 <a:solidFill>
                   <a:srgbClr val="000000"/>
                 </a:solidFill>
-                <a:cs typeface="Arial" charset="0"/>
-              </a:rPr>
-              <a:t>Key </a:t>
-            </a:r>
-            <a:r>
-              <a:rPr lang="en-US" sz="1600" dirty="0" smtClean="0">
-                <a:solidFill>
-                  <a:srgbClr val="000000"/>
-                </a:solidFill>
-              </a:rPr>
-              <a:t>Feature </a:t>
-            </a:r>
-            <a:r>
-              <a:rPr lang="en-US" sz="1600" dirty="0" smtClean="0">
-                <a:solidFill>
-                  <a:srgbClr val="000000"/>
-                </a:solidFill>
-              </a:rPr>
-              <a:t>Information</a:t>
+              </a:rPr>
+              <a:t>Feature Information</a:t>
             </a:r>
             <a:endParaRPr lang="en-US" sz="1600" dirty="0">
               <a:solidFill>
@@ -19197,16 +18866,7 @@
                 </a:solidFill>
                 <a:cs typeface="Arial" charset="0"/>
               </a:rPr>
-              <a:t>. </a:t>
-            </a:r>
-            <a:r>
-              <a:rPr lang="en-US" sz="1600" dirty="0" smtClean="0">
-                <a:solidFill>
-                  <a:srgbClr val="000000"/>
-                </a:solidFill>
-                <a:cs typeface="Arial" charset="0"/>
-              </a:rPr>
-              <a:t>Player Comparison Tool (Recommender System Model)</a:t>
+              <a:t>. Player Comparison Tool (Recommender System Model)</a:t>
             </a:r>
             <a:endParaRPr lang="en-US" sz="1600" dirty="0">
               <a:solidFill>
@@ -19272,16 +18932,7 @@
                 </a:solidFill>
                 <a:cs typeface="Arial" charset="0"/>
               </a:rPr>
-              <a:t>. </a:t>
-            </a:r>
-            <a:r>
-              <a:rPr lang="en-US" sz="1600" dirty="0" smtClean="0">
-                <a:solidFill>
-                  <a:srgbClr val="000000"/>
-                </a:solidFill>
-                <a:cs typeface="Arial" charset="0"/>
-              </a:rPr>
-              <a:t>Overall Analysis</a:t>
+              <a:t>. Overall Analysis</a:t>
             </a:r>
             <a:endParaRPr lang="en-US" sz="1600" dirty="0">
               <a:solidFill>
@@ -19544,15 +19195,7 @@
                   <a:prstClr val="black"/>
                 </a:solidFill>
               </a:rPr>
-              <a:t>Provide basic predictor model for team success with Random Fores</a:t>
-            </a:r>
-            <a:r>
-              <a:rPr lang="en-US" sz="1400" dirty="0" smtClean="0">
-                <a:solidFill>
-                  <a:prstClr val="black"/>
-                </a:solidFill>
-              </a:rPr>
-              <a:t>t </a:t>
+              <a:t>Provide basic predictor model for team success with Random Forest </a:t>
             </a:r>
             <a:endParaRPr lang="en-US" sz="1400" dirty="0">
               <a:solidFill>
@@ -19845,27 +19488,7 @@
                   </a:schemeClr>
                 </a:solidFill>
               </a:rPr>
-              <a:t>Resources for </a:t>
-            </a:r>
-            <a:r>
-              <a:rPr lang="en-US" sz="2800" dirty="0" smtClean="0">
-                <a:solidFill>
-                  <a:schemeClr val="accent1">
-                    <a:lumMod val="75000"/>
-                  </a:schemeClr>
-                </a:solidFill>
-              </a:rPr>
-              <a:t>Model </a:t>
-            </a:r>
-            <a:r>
-              <a:rPr lang="en-US" sz="2800" dirty="0" smtClean="0">
-                <a:solidFill>
-                  <a:schemeClr val="accent1">
-                    <a:lumMod val="75000"/>
-                  </a:schemeClr>
-                </a:solidFill>
-              </a:rPr>
-              <a:t>Selection</a:t>
+              <a:t>Resources for Model Selection</a:t>
             </a:r>
             <a:endParaRPr lang="en-US" sz="2800" dirty="0">
               <a:solidFill>
@@ -19963,21 +19586,6 @@
               </a:rPr>
               <a:t> 2.7</a:t>
             </a:r>
-            <a:endParaRPr lang="en-US" sz="2400" b="1" dirty="0" smtClean="0">
-              <a:ln w="1905"/>
-              <a:solidFill>
-                <a:srgbClr val="0033CC">
-                  <a:lumMod val="75000"/>
-                </a:srgbClr>
-              </a:solidFill>
-              <a:effectLst>
-                <a:innerShdw blurRad="69850" dist="43180" dir="5400000">
-                  <a:srgbClr val="000000">
-                    <a:alpha val="65000"/>
-                  </a:srgbClr>
-                </a:innerShdw>
-              </a:effectLst>
-            </a:endParaRPr>
           </a:p>
           <a:p>
             <a:pPr marL="342900" lvl="0" indent="-342900">
@@ -20823,16 +20431,7 @@
                 </a:solidFill>
                 <a:cs typeface="Arial" charset="0"/>
               </a:rPr>
-              <a:t>. </a:t>
-            </a:r>
-            <a:r>
-              <a:rPr lang="en-US" sz="1600" dirty="0" smtClean="0">
-                <a:solidFill>
-                  <a:srgbClr val="000000"/>
-                </a:solidFill>
-                <a:cs typeface="Arial" charset="0"/>
-              </a:rPr>
-              <a:t>Player Comparison Tool (Recommender System Model)</a:t>
+              <a:t>. Player Comparison Tool (Recommender System Model)</a:t>
             </a:r>
             <a:endParaRPr lang="en-US" sz="1600" dirty="0">
               <a:solidFill>
@@ -20898,16 +20497,7 @@
                 </a:solidFill>
                 <a:cs typeface="Arial" charset="0"/>
               </a:rPr>
-              <a:t>. </a:t>
-            </a:r>
-            <a:r>
-              <a:rPr lang="en-US" sz="1600" dirty="0" smtClean="0">
-                <a:solidFill>
-                  <a:srgbClr val="000000"/>
-                </a:solidFill>
-                <a:cs typeface="Arial" charset="0"/>
-              </a:rPr>
-              <a:t>Overall Analysis</a:t>
+              <a:t>. Overall Analysis</a:t>
             </a:r>
             <a:endParaRPr lang="en-US" sz="1600" dirty="0">
               <a:solidFill>
@@ -21347,11 +20937,6 @@
               </a:rPr>
               <a:t>NBA does not provide actual access to their statistics and data</a:t>
             </a:r>
-            <a:endParaRPr lang="en-US" sz="1400" dirty="0" smtClean="0">
-              <a:solidFill>
-                <a:schemeClr val="tx1"/>
-              </a:solidFill>
-            </a:endParaRPr>
           </a:p>
           <a:p>
             <a:pPr lvl="0"/>
@@ -21374,11 +20959,6 @@
               </a:rPr>
               <a:t>Appropriate advanced statistics and data were not readily available via third party providers</a:t>
             </a:r>
-            <a:endParaRPr lang="en-US" sz="1400" dirty="0" smtClean="0">
-              <a:solidFill>
-                <a:schemeClr val="tx1"/>
-              </a:solidFill>
-            </a:endParaRPr>
           </a:p>
           <a:p>
             <a:pPr marL="285750" indent="-285750">
@@ -21643,13 +21223,6 @@
               </a:rPr>
               <a:t>Team Per Game Statistics</a:t>
             </a:r>
-            <a:endParaRPr lang="en-US" b="1" dirty="0" smtClean="0">
-              <a:solidFill>
-                <a:schemeClr val="accent1">
-                  <a:lumMod val="75000"/>
-                </a:schemeClr>
-              </a:solidFill>
-            </a:endParaRPr>
           </a:p>
           <a:p>
             <a:pPr lvl="0"/>
@@ -21761,25 +21334,8 @@
                     </a:schemeClr>
                   </a:solidFill>
                 </a:rPr>
-                <a:t>Key </a:t>
+                <a:t>Key Features (Per Game)</a:t>
               </a:r>
-              <a:r>
-                <a:rPr lang="en-US" b="1" dirty="0" smtClean="0">
-                  <a:solidFill>
-                    <a:schemeClr val="accent1">
-                      <a:lumMod val="75000"/>
-                    </a:schemeClr>
-                  </a:solidFill>
-                </a:rPr>
-                <a:t>Features (Per Game)</a:t>
-              </a:r>
-              <a:endParaRPr lang="en-US" b="1" dirty="0" smtClean="0">
-                <a:solidFill>
-                  <a:schemeClr val="accent1">
-                    <a:lumMod val="75000"/>
-                  </a:schemeClr>
-                </a:solidFill>
-              </a:endParaRPr>
             </a:p>
             <a:p>
               <a:pPr lvl="0"/>

--- a/NBA Team Success Analysis Project.pptx
+++ b/NBA Team Success Analysis Project.pptx
@@ -208,7 +208,7 @@
             </a:lvl1pPr>
           </a:lstStyle>
           <a:p>
-            <a:endParaRPr lang="en-US"/>
+            <a:endParaRPr lang="en-US" dirty="0"/>
           </a:p>
         </p:txBody>
       </p:sp>
@@ -243,7 +243,7 @@
               <a:rPr lang="en-US" smtClean="0"/>
               <a:t>12/11/2016</a:t>
             </a:fld>
-            <a:endParaRPr lang="en-US"/>
+            <a:endParaRPr lang="en-US" dirty="0"/>
           </a:p>
         </p:txBody>
       </p:sp>
@@ -276,7 +276,7 @@
           <a:bodyPr vert="horz" lIns="91440" tIns="45720" rIns="91440" bIns="45720" rtlCol="0" anchor="ctr"/>
           <a:lstStyle/>
           <a:p>
-            <a:endParaRPr lang="en-US"/>
+            <a:endParaRPr lang="en-US" dirty="0"/>
           </a:p>
         </p:txBody>
       </p:sp>
@@ -367,7 +367,7 @@
             </a:lvl1pPr>
           </a:lstStyle>
           <a:p>
-            <a:endParaRPr lang="en-US"/>
+            <a:endParaRPr lang="en-US" dirty="0"/>
           </a:p>
         </p:txBody>
       </p:sp>
@@ -402,7 +402,7 @@
               <a:rPr lang="en-US" smtClean="0"/>
               <a:t>‹#›</a:t>
             </a:fld>
-            <a:endParaRPr lang="en-US"/>
+            <a:endParaRPr lang="en-US" dirty="0"/>
           </a:p>
         </p:txBody>
       </p:sp>
@@ -577,7 +577,7 @@
               <a:pPr/>
               <a:t>3</a:t>
             </a:fld>
-            <a:endParaRPr lang="en-US"/>
+            <a:endParaRPr lang="en-US" dirty="0"/>
           </a:p>
         </p:txBody>
       </p:sp>
@@ -662,7 +662,7 @@
               <a:pPr/>
               <a:t>15</a:t>
             </a:fld>
-            <a:endParaRPr lang="en-US"/>
+            <a:endParaRPr lang="en-US" dirty="0"/>
           </a:p>
         </p:txBody>
       </p:sp>
@@ -747,7 +747,7 @@
               <a:pPr/>
               <a:t>16</a:t>
             </a:fld>
-            <a:endParaRPr lang="en-US"/>
+            <a:endParaRPr lang="en-US" dirty="0"/>
           </a:p>
         </p:txBody>
       </p:sp>
@@ -832,7 +832,7 @@
               <a:pPr/>
               <a:t>17</a:t>
             </a:fld>
-            <a:endParaRPr lang="en-US"/>
+            <a:endParaRPr lang="en-US" dirty="0"/>
           </a:p>
         </p:txBody>
       </p:sp>
@@ -917,7 +917,7 @@
               <a:pPr/>
               <a:t>18</a:t>
             </a:fld>
-            <a:endParaRPr lang="en-US"/>
+            <a:endParaRPr lang="en-US" dirty="0"/>
           </a:p>
         </p:txBody>
       </p:sp>
@@ -1002,7 +1002,7 @@
               <a:pPr/>
               <a:t>19</a:t>
             </a:fld>
-            <a:endParaRPr lang="en-US"/>
+            <a:endParaRPr lang="en-US" dirty="0"/>
           </a:p>
         </p:txBody>
       </p:sp>
@@ -1087,7 +1087,7 @@
               <a:pPr/>
               <a:t>20</a:t>
             </a:fld>
-            <a:endParaRPr lang="en-US"/>
+            <a:endParaRPr lang="en-US" dirty="0"/>
           </a:p>
         </p:txBody>
       </p:sp>
@@ -1172,7 +1172,7 @@
               <a:pPr/>
               <a:t>21</a:t>
             </a:fld>
-            <a:endParaRPr lang="en-US"/>
+            <a:endParaRPr lang="en-US" dirty="0"/>
           </a:p>
         </p:txBody>
       </p:sp>
@@ -1257,7 +1257,7 @@
               <a:pPr/>
               <a:t>23</a:t>
             </a:fld>
-            <a:endParaRPr lang="en-US"/>
+            <a:endParaRPr lang="en-US" dirty="0"/>
           </a:p>
         </p:txBody>
       </p:sp>
@@ -1342,7 +1342,7 @@
               <a:pPr/>
               <a:t>24</a:t>
             </a:fld>
-            <a:endParaRPr lang="en-US"/>
+            <a:endParaRPr lang="en-US" dirty="0"/>
           </a:p>
         </p:txBody>
       </p:sp>
@@ -1427,7 +1427,7 @@
               <a:pPr/>
               <a:t>25</a:t>
             </a:fld>
-            <a:endParaRPr lang="en-US"/>
+            <a:endParaRPr lang="en-US" dirty="0"/>
           </a:p>
         </p:txBody>
       </p:sp>
@@ -1512,7 +1512,7 @@
               <a:pPr/>
               <a:t>5</a:t>
             </a:fld>
-            <a:endParaRPr lang="en-US"/>
+            <a:endParaRPr lang="en-US" dirty="0"/>
           </a:p>
         </p:txBody>
       </p:sp>
@@ -1597,7 +1597,7 @@
               <a:pPr/>
               <a:t>27</a:t>
             </a:fld>
-            <a:endParaRPr lang="en-US"/>
+            <a:endParaRPr lang="en-US" dirty="0"/>
           </a:p>
         </p:txBody>
       </p:sp>
@@ -1682,7 +1682,7 @@
               <a:pPr/>
               <a:t>28</a:t>
             </a:fld>
-            <a:endParaRPr lang="en-US"/>
+            <a:endParaRPr lang="en-US" dirty="0"/>
           </a:p>
         </p:txBody>
       </p:sp>
@@ -1767,7 +1767,7 @@
               <a:pPr/>
               <a:t>29</a:t>
             </a:fld>
-            <a:endParaRPr lang="en-US"/>
+            <a:endParaRPr lang="en-US" dirty="0"/>
           </a:p>
         </p:txBody>
       </p:sp>
@@ -1852,7 +1852,7 @@
               <a:pPr/>
               <a:t>31</a:t>
             </a:fld>
-            <a:endParaRPr lang="en-US"/>
+            <a:endParaRPr lang="en-US" dirty="0"/>
           </a:p>
         </p:txBody>
       </p:sp>
@@ -1937,7 +1937,7 @@
               <a:pPr/>
               <a:t>6</a:t>
             </a:fld>
-            <a:endParaRPr lang="en-US"/>
+            <a:endParaRPr lang="en-US" dirty="0"/>
           </a:p>
         </p:txBody>
       </p:sp>
@@ -2022,7 +2022,7 @@
               <a:pPr/>
               <a:t>8</a:t>
             </a:fld>
-            <a:endParaRPr lang="en-US"/>
+            <a:endParaRPr lang="en-US" dirty="0"/>
           </a:p>
         </p:txBody>
       </p:sp>
@@ -2107,7 +2107,7 @@
               <a:pPr/>
               <a:t>9</a:t>
             </a:fld>
-            <a:endParaRPr lang="en-US"/>
+            <a:endParaRPr lang="en-US" dirty="0"/>
           </a:p>
         </p:txBody>
       </p:sp>
@@ -2192,7 +2192,7 @@
               <a:pPr/>
               <a:t>10</a:t>
             </a:fld>
-            <a:endParaRPr lang="en-US"/>
+            <a:endParaRPr lang="en-US" dirty="0"/>
           </a:p>
         </p:txBody>
       </p:sp>
@@ -2277,7 +2277,7 @@
               <a:pPr/>
               <a:t>11</a:t>
             </a:fld>
-            <a:endParaRPr lang="en-US"/>
+            <a:endParaRPr lang="en-US" dirty="0"/>
           </a:p>
         </p:txBody>
       </p:sp>
@@ -2362,7 +2362,7 @@
               <a:pPr/>
               <a:t>12</a:t>
             </a:fld>
-            <a:endParaRPr lang="en-US"/>
+            <a:endParaRPr lang="en-US" dirty="0"/>
           </a:p>
         </p:txBody>
       </p:sp>
@@ -2447,7 +2447,7 @@
               <a:pPr/>
               <a:t>14</a:t>
             </a:fld>
-            <a:endParaRPr lang="en-US"/>
+            <a:endParaRPr lang="en-US" dirty="0"/>
           </a:p>
         </p:txBody>
       </p:sp>
@@ -7143,12 +7143,8 @@
               <a:buChar char="•"/>
             </a:pPr>
             <a:r>
-              <a:rPr lang="en-US" sz="1400" dirty="0" err="1" smtClean="0"/>
-              <a:t>Pos</a:t>
-            </a:r>
-            <a:r>
               <a:rPr lang="en-US" sz="1400" dirty="0" smtClean="0"/>
-              <a:t> – Position</a:t>
+              <a:t>Pos – Position</a:t>
             </a:r>
           </a:p>
           <a:p>
@@ -8878,20 +8874,12 @@
               <a:t>a result of this randomness, the bias of the forest usually slightly increases (with respect to the bias of a single non-random tree) but, due to averaging, its variance also decreases” (</a:t>
             </a:r>
             <a:r>
-              <a:rPr lang="en-US" sz="1600" dirty="0" err="1" smtClean="0">
+              <a:rPr lang="en-US" sz="1600" dirty="0" smtClean="0">
                 <a:solidFill>
                   <a:schemeClr val="tx1"/>
                 </a:solidFill>
               </a:rPr>
-              <a:t>scikit</a:t>
-            </a:r>
-            <a:r>
-              <a:rPr lang="en-US" sz="1600" dirty="0" smtClean="0">
-                <a:solidFill>
-                  <a:schemeClr val="tx1"/>
-                </a:solidFill>
-              </a:rPr>
-              <a:t>-learn). Random Forests are a very popular model when predicting outcomes in sports and provide a good measuring stick of what to predict as the real outcome. By using this model, we are able to compare each team’s statistics and have them go to head to predict who would have greater success. In this case, the model ended up with a an AUC score </a:t>
+              <a:t>scikit-learn). Random Forests are a very popular model when predicting outcomes in sports and provide a good measuring stick of what to predict as the real outcome. By using this model, we are able to compare each team’s statistics and have them go to head to predict who would have greater success. In this case, the model ended up with a an AUC score </a:t>
             </a:r>
             <a:r>
               <a:rPr lang="en-US" sz="1600" dirty="0">
@@ -12444,23 +12432,23 @@
                   <a:schemeClr val="tx1"/>
                 </a:solidFill>
               </a:rPr>
-              <a:t>(</a:t>
-            </a:r>
-            <a:r>
-              <a:rPr lang="en-US" sz="1600" dirty="0" err="1">
+              <a:t>(scikit-learn). </a:t>
+            </a:r>
+            <a:r>
+              <a:rPr lang="en-US" sz="1600" dirty="0" smtClean="0">
                 <a:solidFill>
                   <a:schemeClr val="tx1"/>
                 </a:solidFill>
               </a:rPr>
-              <a:t>scikit</a:t>
-            </a:r>
-            <a:r>
-              <a:rPr lang="en-US" sz="1600" dirty="0">
+              <a:t>By understanding the previous model, we can apply that knowledge to make teams, and fantasy teams better, by addressing key areas of deficiency. Teams can use this model to understand which players are important </a:t>
+            </a:r>
+            <a:r>
+              <a:rPr lang="en-US" sz="1600" dirty="0" smtClean="0">
                 <a:solidFill>
                   <a:schemeClr val="tx1"/>
                 </a:solidFill>
               </a:rPr>
-              <a:t>-learn). </a:t>
+              <a:t>influencers </a:t>
             </a:r>
             <a:r>
               <a:rPr lang="en-US" sz="1600" dirty="0" smtClean="0">
@@ -12468,23 +12456,7 @@
                   <a:schemeClr val="tx1"/>
                 </a:solidFill>
               </a:rPr>
-              <a:t>By understanding the previous model, we can apply that knowledge to make teams, and fantasy teams better, by addressing key areas of deficiency. Teams can use this model to understand which players are important </a:t>
-            </a:r>
-            <a:r>
-              <a:rPr lang="en-US" sz="1600" dirty="0" err="1" smtClean="0">
-                <a:solidFill>
-                  <a:schemeClr val="tx1"/>
-                </a:solidFill>
-              </a:rPr>
-              <a:t>infuencers</a:t>
-            </a:r>
-            <a:r>
-              <a:rPr lang="en-US" sz="1600" dirty="0" smtClean="0">
-                <a:solidFill>
-                  <a:schemeClr val="tx1"/>
-                </a:solidFill>
-              </a:rPr>
-              <a:t> to the game, key role players, and reserve type players based on how they are clustered. All basic player stats information is used. </a:t>
+              <a:t>to the game, key role players, and reserve type players based on how they are clustered. All basic player stats information is used. </a:t>
             </a:r>
             <a:endParaRPr lang="en-US" sz="1600" dirty="0">
               <a:solidFill>
@@ -14926,12 +14898,12 @@
               <a:t>Below we can see the top ten players most similar to Stephen Curry. This information is helpful when trying to play “money ball” </a:t>
             </a:r>
             <a:r>
-              <a:rPr lang="en-US" sz="1600" dirty="0" err="1" smtClean="0">
+              <a:rPr lang="en-US" sz="1600" dirty="0" smtClean="0">
                 <a:solidFill>
                   <a:schemeClr val="tx1"/>
                 </a:solidFill>
               </a:rPr>
-              <a:t>becauseteams</a:t>
+              <a:t>because teams </a:t>
             </a:r>
             <a:r>
               <a:rPr lang="en-US" sz="1600" dirty="0" smtClean="0">
@@ -14939,7 +14911,7 @@
                   <a:schemeClr val="tx1"/>
                 </a:solidFill>
               </a:rPr>
-              <a:t> can use this to their advantage to acquire players that can perhaps best defend against the reigning MVP.</a:t>
+              <a:t>can use this to their advantage to acquire players that can perhaps best defend against the reigning MVP.</a:t>
             </a:r>
             <a:endParaRPr lang="en-US" sz="1600" dirty="0">
               <a:solidFill>
@@ -15684,9 +15656,6 @@
               </a:rPr>
               <a:t>Random Forest Model for NBA Team Prediction</a:t>
             </a:r>
-            <a:endParaRPr lang="en-US" sz="1200" dirty="0" smtClean="0">
-              <a:latin typeface="Calibri" panose="020F0502020204030204" pitchFamily="34" charset="0"/>
-            </a:endParaRPr>
           </a:p>
           <a:p>
             <a:pPr marL="171450" indent="-171450">
@@ -19551,7 +19520,7 @@
               <a:buChar char="•"/>
             </a:pPr>
             <a:r>
-              <a:rPr lang="en-US" sz="2400" b="1" dirty="0" err="1" smtClean="0">
+              <a:rPr lang="en-US" sz="2400" b="1" dirty="0" smtClean="0">
                 <a:ln w="1905"/>
                 <a:solidFill>
                   <a:srgbClr val="0033CC">
@@ -19566,25 +19535,7 @@
                   </a:innerShdw>
                 </a:effectLst>
               </a:rPr>
-              <a:t>Ipython</a:t>
-            </a:r>
-            <a:r>
-              <a:rPr lang="en-US" sz="2400" b="1" dirty="0" smtClean="0">
-                <a:ln w="1905"/>
-                <a:solidFill>
-                  <a:srgbClr val="0033CC">
-                    <a:lumMod val="75000"/>
-                  </a:srgbClr>
-                </a:solidFill>
-                <a:effectLst>
-                  <a:innerShdw blurRad="69850" dist="43180" dir="5400000">
-                    <a:srgbClr val="000000">
-                      <a:alpha val="65000"/>
-                    </a:srgbClr>
-                  </a:innerShdw>
-                </a:effectLst>
-              </a:rPr>
-              <a:t> 2.7</a:t>
+              <a:t>Ipython 2.7</a:t>
             </a:r>
           </a:p>
           <a:p>
